--- a/images/images.pptx
+++ b/images/images.pptx
@@ -7,6 +7,7 @@
   <p:sldIdLst>
     <p:sldId id="256" r:id="rId2"/>
     <p:sldId id="257" r:id="rId3"/>
+    <p:sldId id="258" r:id="rId4"/>
   </p:sldIdLst>
   <p:sldSz cx="12192000" cy="6858000"/>
   <p:notesSz cx="6858000" cy="9144000"/>
@@ -105,6 +106,11 @@
       </a:defRPr>
     </a:lvl9pPr>
   </p:defaultTextStyle>
+  <p:extLst>
+    <p:ext uri="{EFAFB233-063F-42B5-8137-9DF3F51BA10A}">
+      <p15:sldGuideLst xmlns:p15="http://schemas.microsoft.com/office/powerpoint/2012/main"/>
+    </p:ext>
+  </p:extLst>
 </p:presentation>
 </file>
 
@@ -239,7 +245,7 @@
           <a:p>
             <a:fld id="{A7415634-F672-413E-A685-27359CBCA001}" type="datetimeFigureOut">
               <a:rPr lang="en-US" smtClean="0"/>
-              <a:t>19-Mar-23</a:t>
+              <a:t>12/8/2023</a:t>
             </a:fld>
             <a:endParaRPr lang="en-US"/>
           </a:p>
@@ -409,7 +415,7 @@
           <a:p>
             <a:fld id="{A7415634-F672-413E-A685-27359CBCA001}" type="datetimeFigureOut">
               <a:rPr lang="en-US" smtClean="0"/>
-              <a:t>19-Mar-23</a:t>
+              <a:t>12/8/2023</a:t>
             </a:fld>
             <a:endParaRPr lang="en-US"/>
           </a:p>
@@ -589,7 +595,7 @@
           <a:p>
             <a:fld id="{A7415634-F672-413E-A685-27359CBCA001}" type="datetimeFigureOut">
               <a:rPr lang="en-US" smtClean="0"/>
-              <a:t>19-Mar-23</a:t>
+              <a:t>12/8/2023</a:t>
             </a:fld>
             <a:endParaRPr lang="en-US"/>
           </a:p>
@@ -759,7 +765,7 @@
           <a:p>
             <a:fld id="{A7415634-F672-413E-A685-27359CBCA001}" type="datetimeFigureOut">
               <a:rPr lang="en-US" smtClean="0"/>
-              <a:t>19-Mar-23</a:t>
+              <a:t>12/8/2023</a:t>
             </a:fld>
             <a:endParaRPr lang="en-US"/>
           </a:p>
@@ -1005,7 +1011,7 @@
           <a:p>
             <a:fld id="{A7415634-F672-413E-A685-27359CBCA001}" type="datetimeFigureOut">
               <a:rPr lang="en-US" smtClean="0"/>
-              <a:t>19-Mar-23</a:t>
+              <a:t>12/8/2023</a:t>
             </a:fld>
             <a:endParaRPr lang="en-US"/>
           </a:p>
@@ -1237,7 +1243,7 @@
           <a:p>
             <a:fld id="{A7415634-F672-413E-A685-27359CBCA001}" type="datetimeFigureOut">
               <a:rPr lang="en-US" smtClean="0"/>
-              <a:t>19-Mar-23</a:t>
+              <a:t>12/8/2023</a:t>
             </a:fld>
             <a:endParaRPr lang="en-US"/>
           </a:p>
@@ -1604,7 +1610,7 @@
           <a:p>
             <a:fld id="{A7415634-F672-413E-A685-27359CBCA001}" type="datetimeFigureOut">
               <a:rPr lang="en-US" smtClean="0"/>
-              <a:t>19-Mar-23</a:t>
+              <a:t>12/8/2023</a:t>
             </a:fld>
             <a:endParaRPr lang="en-US"/>
           </a:p>
@@ -1722,7 +1728,7 @@
           <a:p>
             <a:fld id="{A7415634-F672-413E-A685-27359CBCA001}" type="datetimeFigureOut">
               <a:rPr lang="en-US" smtClean="0"/>
-              <a:t>19-Mar-23</a:t>
+              <a:t>12/8/2023</a:t>
             </a:fld>
             <a:endParaRPr lang="en-US"/>
           </a:p>
@@ -1817,7 +1823,7 @@
           <a:p>
             <a:fld id="{A7415634-F672-413E-A685-27359CBCA001}" type="datetimeFigureOut">
               <a:rPr lang="en-US" smtClean="0"/>
-              <a:t>19-Mar-23</a:t>
+              <a:t>12/8/2023</a:t>
             </a:fld>
             <a:endParaRPr lang="en-US"/>
           </a:p>
@@ -2094,7 +2100,7 @@
           <a:p>
             <a:fld id="{A7415634-F672-413E-A685-27359CBCA001}" type="datetimeFigureOut">
               <a:rPr lang="en-US" smtClean="0"/>
-              <a:t>19-Mar-23</a:t>
+              <a:t>12/8/2023</a:t>
             </a:fld>
             <a:endParaRPr lang="en-US"/>
           </a:p>
@@ -2347,7 +2353,7 @@
           <a:p>
             <a:fld id="{A7415634-F672-413E-A685-27359CBCA001}" type="datetimeFigureOut">
               <a:rPr lang="en-US" smtClean="0"/>
-              <a:t>19-Mar-23</a:t>
+              <a:t>12/8/2023</a:t>
             </a:fld>
             <a:endParaRPr lang="en-US"/>
           </a:p>
@@ -2560,7 +2566,7 @@
           <a:p>
             <a:fld id="{A7415634-F672-413E-A685-27359CBCA001}" type="datetimeFigureOut">
               <a:rPr lang="en-US" smtClean="0"/>
-              <a:t>19-Mar-23</a:t>
+              <a:t>12/8/2023</a:t>
             </a:fld>
             <a:endParaRPr lang="en-US"/>
           </a:p>
@@ -3082,6 +3088,365 @@
 </p:sld>
 </file>
 
+<file path=ppt/slides/slide3.xml><?xml version="1.0" encoding="utf-8"?>
+<p:sld xmlns:a="http://schemas.openxmlformats.org/drawingml/2006/main" xmlns:r="http://schemas.openxmlformats.org/officeDocument/2006/relationships" xmlns:p="http://schemas.openxmlformats.org/presentationml/2006/main">
+  <p:cSld>
+    <p:spTree>
+      <p:nvGrpSpPr>
+        <p:cNvPr id="1" name=""/>
+        <p:cNvGrpSpPr/>
+        <p:nvPr/>
+      </p:nvGrpSpPr>
+      <p:grpSpPr>
+        <a:xfrm>
+          <a:off x="0" y="0"/>
+          <a:ext cx="0" cy="0"/>
+          <a:chOff x="0" y="0"/>
+          <a:chExt cx="0" cy="0"/>
+        </a:xfrm>
+      </p:grpSpPr>
+      <p:sp>
+        <p:nvSpPr>
+          <p:cNvPr id="2" name="Rectangle 1"/>
+          <p:cNvSpPr/>
+          <p:nvPr/>
+        </p:nvSpPr>
+        <p:spPr>
+          <a:xfrm>
+            <a:off x="0" y="0"/>
+            <a:ext cx="12192000" cy="6858000"/>
+          </a:xfrm>
+          <a:prstGeom prst="rect">
+            <a:avLst/>
+          </a:prstGeom>
+          <a:solidFill>
+            <a:srgbClr val="FF0000"/>
+          </a:solidFill>
+        </p:spPr>
+        <p:style>
+          <a:lnRef idx="2">
+            <a:schemeClr val="accent1">
+              <a:shade val="50000"/>
+            </a:schemeClr>
+          </a:lnRef>
+          <a:fillRef idx="1">
+            <a:schemeClr val="accent1"/>
+          </a:fillRef>
+          <a:effectRef idx="0">
+            <a:schemeClr val="accent1"/>
+          </a:effectRef>
+          <a:fontRef idx="minor">
+            <a:schemeClr val="lt1"/>
+          </a:fontRef>
+        </p:style>
+        <p:txBody>
+          <a:bodyPr rtlCol="0" anchor="ctr"/>
+          <a:lstStyle/>
+          <a:p>
+            <a:pPr algn="ctr"/>
+            <a:endParaRPr lang="en-US"/>
+          </a:p>
+        </p:txBody>
+      </p:sp>
+      <p:grpSp>
+        <p:nvGrpSpPr>
+          <p:cNvPr id="8" name="Group 7"/>
+          <p:cNvGrpSpPr/>
+          <p:nvPr/>
+        </p:nvGrpSpPr>
+        <p:grpSpPr>
+          <a:xfrm>
+            <a:off x="8796023" y="5551054"/>
+            <a:ext cx="3022481" cy="1034472"/>
+            <a:chOff x="2792413" y="1773238"/>
+            <a:chExt cx="5811837" cy="1579562"/>
+          </a:xfrm>
+        </p:grpSpPr>
+        <p:sp>
+          <p:nvSpPr>
+            <p:cNvPr id="4" name="Pentagon 3"/>
+            <p:cNvSpPr/>
+            <p:nvPr/>
+          </p:nvSpPr>
+          <p:spPr>
+            <a:xfrm>
+              <a:off x="3851275" y="1843088"/>
+              <a:ext cx="4752975" cy="1489075"/>
+            </a:xfrm>
+            <a:prstGeom prst="homePlate">
+              <a:avLst>
+                <a:gd name="adj" fmla="val 40367"/>
+              </a:avLst>
+            </a:prstGeom>
+            <a:solidFill>
+              <a:schemeClr val="tx1"/>
+            </a:solidFill>
+            <a:ln>
+              <a:noFill/>
+            </a:ln>
+          </p:spPr>
+          <p:style>
+            <a:lnRef idx="2">
+              <a:schemeClr val="accent1">
+                <a:shade val="50000"/>
+              </a:schemeClr>
+            </a:lnRef>
+            <a:fillRef idx="1">
+              <a:schemeClr val="accent1"/>
+            </a:fillRef>
+            <a:effectRef idx="0">
+              <a:schemeClr val="accent1"/>
+            </a:effectRef>
+            <a:fontRef idx="minor">
+              <a:schemeClr val="lt1"/>
+            </a:fontRef>
+          </p:style>
+          <p:txBody>
+            <a:bodyPr anchor="ctr"/>
+            <a:lstStyle/>
+            <a:p>
+              <a:pPr algn="ctr">
+                <a:defRPr/>
+              </a:pPr>
+              <a:r>
+                <a:rPr lang="en-US" dirty="0"/>
+                <a:t>   </a:t>
+              </a:r>
+              <a:r>
+                <a:rPr lang="en-US" b="1" u="heavy" dirty="0">
+                  <a:latin typeface="Old English Text MT" panose="03040902040508030806" pitchFamily="66" charset="0"/>
+                </a:rPr>
+                <a:t>D</a:t>
+              </a:r>
+              <a:r>
+                <a:rPr lang="en-US" b="1" u="heavy" dirty="0">
+                  <a:latin typeface="Algerian" panose="04020705040A02060702" pitchFamily="82" charset="0"/>
+                </a:rPr>
+                <a:t>ilagain Technologies</a:t>
+              </a:r>
+              <a:endParaRPr lang="en-US" sz="1600" b="1" u="heavy" dirty="0">
+                <a:latin typeface="Algerian" panose="04020705040A02060702" pitchFamily="82" charset="0"/>
+              </a:endParaRPr>
+            </a:p>
+            <a:p>
+              <a:pPr algn="ctr">
+                <a:defRPr/>
+              </a:pPr>
+              <a:endParaRPr lang="en-US" sz="1400" dirty="0"/>
+            </a:p>
+            <a:p>
+              <a:pPr algn="ctr">
+                <a:defRPr/>
+              </a:pPr>
+              <a:r>
+                <a:rPr lang="en-US" sz="1400" dirty="0">
+                  <a:latin typeface="Old English Text MT" panose="03040902040508030806" pitchFamily="66" charset="0"/>
+                </a:rPr>
+                <a:t>Standard solutions</a:t>
+              </a:r>
+            </a:p>
+          </p:txBody>
+        </p:sp>
+        <p:sp>
+          <p:nvSpPr>
+            <p:cNvPr id="5" name="Chevron 4"/>
+            <p:cNvSpPr/>
+            <p:nvPr/>
+          </p:nvSpPr>
+          <p:spPr>
+            <a:xfrm>
+              <a:off x="2792413" y="1843088"/>
+              <a:ext cx="720725" cy="1458912"/>
+            </a:xfrm>
+            <a:prstGeom prst="chevron">
+              <a:avLst>
+                <a:gd name="adj" fmla="val 57775"/>
+              </a:avLst>
+            </a:prstGeom>
+            <a:solidFill>
+              <a:schemeClr val="tx1"/>
+            </a:solidFill>
+            <a:ln>
+              <a:solidFill>
+                <a:schemeClr val="tx1"/>
+              </a:solidFill>
+            </a:ln>
+          </p:spPr>
+          <p:style>
+            <a:lnRef idx="2">
+              <a:schemeClr val="accent1">
+                <a:shade val="50000"/>
+              </a:schemeClr>
+            </a:lnRef>
+            <a:fillRef idx="1">
+              <a:schemeClr val="accent1"/>
+            </a:fillRef>
+            <a:effectRef idx="0">
+              <a:schemeClr val="accent1"/>
+            </a:effectRef>
+            <a:fontRef idx="minor">
+              <a:schemeClr val="lt1"/>
+            </a:fontRef>
+          </p:style>
+          <p:txBody>
+            <a:bodyPr anchor="ctr"/>
+            <a:lstStyle/>
+            <a:p>
+              <a:pPr algn="ctr">
+                <a:defRPr/>
+              </a:pPr>
+              <a:endParaRPr lang="en-US">
+                <a:solidFill>
+                  <a:schemeClr val="tx1"/>
+                </a:solidFill>
+              </a:endParaRPr>
+            </a:p>
+          </p:txBody>
+        </p:sp>
+        <p:sp>
+          <p:nvSpPr>
+            <p:cNvPr id="6" name="Isosceles Triangle 5"/>
+            <p:cNvSpPr/>
+            <p:nvPr/>
+          </p:nvSpPr>
+          <p:spPr>
+            <a:xfrm rot="5400000">
+              <a:off x="3271044" y="2353469"/>
+              <a:ext cx="1579562" cy="419100"/>
+            </a:xfrm>
+            <a:prstGeom prst="triangle">
+              <a:avLst>
+                <a:gd name="adj" fmla="val 51944"/>
+              </a:avLst>
+            </a:prstGeom>
+            <a:solidFill>
+              <a:srgbClr val="FF0000"/>
+            </a:solidFill>
+            <a:ln>
+              <a:noFill/>
+            </a:ln>
+          </p:spPr>
+          <p:style>
+            <a:lnRef idx="2">
+              <a:schemeClr val="accent1">
+                <a:shade val="50000"/>
+              </a:schemeClr>
+            </a:lnRef>
+            <a:fillRef idx="1">
+              <a:schemeClr val="accent1"/>
+            </a:fillRef>
+            <a:effectRef idx="0">
+              <a:schemeClr val="accent1"/>
+            </a:effectRef>
+            <a:fontRef idx="minor">
+              <a:schemeClr val="lt1"/>
+            </a:fontRef>
+          </p:style>
+          <p:txBody>
+            <a:bodyPr anchor="ctr"/>
+            <a:lstStyle/>
+            <a:p>
+              <a:pPr algn="ctr">
+                <a:defRPr/>
+              </a:pPr>
+              <a:endParaRPr lang="en-US"/>
+            </a:p>
+          </p:txBody>
+        </p:sp>
+        <p:sp>
+          <p:nvSpPr>
+            <p:cNvPr id="7" name="Chevron 6"/>
+            <p:cNvSpPr/>
+            <p:nvPr/>
+          </p:nvSpPr>
+          <p:spPr>
+            <a:xfrm>
+              <a:off x="3348038" y="1843088"/>
+              <a:ext cx="719137" cy="1489075"/>
+            </a:xfrm>
+            <a:prstGeom prst="chevron">
+              <a:avLst>
+                <a:gd name="adj" fmla="val 57775"/>
+              </a:avLst>
+            </a:prstGeom>
+            <a:solidFill>
+              <a:schemeClr val="tx1"/>
+            </a:solidFill>
+            <a:ln>
+              <a:solidFill>
+                <a:schemeClr val="tx1"/>
+              </a:solidFill>
+            </a:ln>
+          </p:spPr>
+          <p:style>
+            <a:lnRef idx="2">
+              <a:schemeClr val="accent1">
+                <a:shade val="50000"/>
+              </a:schemeClr>
+            </a:lnRef>
+            <a:fillRef idx="1">
+              <a:schemeClr val="accent1"/>
+            </a:fillRef>
+            <a:effectRef idx="0">
+              <a:schemeClr val="accent1"/>
+            </a:effectRef>
+            <a:fontRef idx="minor">
+              <a:schemeClr val="lt1"/>
+            </a:fontRef>
+          </p:style>
+          <p:txBody>
+            <a:bodyPr anchor="ctr"/>
+            <a:lstStyle/>
+            <a:p>
+              <a:pPr algn="ctr">
+                <a:defRPr/>
+              </a:pPr>
+              <a:endParaRPr lang="en-US">
+                <a:solidFill>
+                  <a:schemeClr val="tx1"/>
+                </a:solidFill>
+              </a:endParaRPr>
+            </a:p>
+          </p:txBody>
+        </p:sp>
+      </p:grpSp>
+      <p:pic>
+        <p:nvPicPr>
+          <p:cNvPr id="18" name="Picture 17"/>
+          <p:cNvPicPr>
+            <a:picLocks noChangeAspect="1"/>
+          </p:cNvPicPr>
+          <p:nvPr/>
+        </p:nvPicPr>
+        <p:blipFill>
+          <a:blip r:embed="rId2"/>
+          <a:stretch>
+            <a:fillRect/>
+          </a:stretch>
+        </p:blipFill>
+        <p:spPr>
+          <a:xfrm>
+            <a:off x="9082350" y="1611386"/>
+            <a:ext cx="2281332" cy="2043894"/>
+          </a:xfrm>
+          <a:prstGeom prst="rect">
+            <a:avLst/>
+          </a:prstGeom>
+        </p:spPr>
+      </p:pic>
+    </p:spTree>
+    <p:extLst>
+      <p:ext uri="{BB962C8B-B14F-4D97-AF65-F5344CB8AC3E}">
+        <p14:creationId xmlns:p14="http://schemas.microsoft.com/office/powerpoint/2010/main" val="699806744"/>
+      </p:ext>
+    </p:extLst>
+  </p:cSld>
+  <p:clrMapOvr>
+    <a:masterClrMapping/>
+  </p:clrMapOvr>
+</p:sld>
+</file>
+
 <file path=ppt/theme/theme1.xml><?xml version="1.0" encoding="utf-8"?>
 <a:theme xmlns:a="http://schemas.openxmlformats.org/drawingml/2006/main" name="Office Theme">
   <a:themeElements>

--- a/images/images.pptx
+++ b/images/images.pptx
@@ -3156,8 +3156,8 @@
         </p:nvGrpSpPr>
         <p:grpSpPr>
           <a:xfrm>
-            <a:off x="8796023" y="5551054"/>
-            <a:ext cx="3022481" cy="1034472"/>
+            <a:off x="8494479" y="5784261"/>
+            <a:ext cx="2736154" cy="858981"/>
             <a:chOff x="2792413" y="1773238"/>
             <a:chExt cx="5811837" cy="1579562"/>
           </a:xfrm>
@@ -3209,22 +3209,22 @@
                 <a:defRPr/>
               </a:pPr>
               <a:r>
-                <a:rPr lang="en-US" dirty="0"/>
+                <a:rPr lang="en-US" sz="1400" dirty="0"/>
                 <a:t>   </a:t>
               </a:r>
               <a:r>
-                <a:rPr lang="en-US" b="1" u="heavy" dirty="0">
+                <a:rPr lang="en-US" sz="1400" b="1" u="heavy" dirty="0">
                   <a:latin typeface="Old English Text MT" panose="03040902040508030806" pitchFamily="66" charset="0"/>
                 </a:rPr>
                 <a:t>D</a:t>
               </a:r>
               <a:r>
-                <a:rPr lang="en-US" b="1" u="heavy" dirty="0">
+                <a:rPr lang="en-US" sz="1400" b="1" u="heavy" dirty="0">
                   <a:latin typeface="Algerian" panose="04020705040A02060702" pitchFamily="82" charset="0"/>
                 </a:rPr>
                 <a:t>ilagain Technologies</a:t>
               </a:r>
-              <a:endParaRPr lang="en-US" sz="1600" b="1" u="heavy" dirty="0">
+              <a:endParaRPr lang="en-US" sz="1200" b="1" u="heavy" dirty="0">
                 <a:latin typeface="Algerian" panose="04020705040A02060702" pitchFamily="82" charset="0"/>
               </a:endParaRPr>
             </a:p>
@@ -3232,14 +3232,14 @@
               <a:pPr algn="ctr">
                 <a:defRPr/>
               </a:pPr>
-              <a:endParaRPr lang="en-US" sz="1400" dirty="0"/>
+              <a:endParaRPr lang="en-US" sz="1100" dirty="0"/>
             </a:p>
             <a:p>
               <a:pPr algn="ctr">
                 <a:defRPr/>
               </a:pPr>
               <a:r>
-                <a:rPr lang="en-US" sz="1400" dirty="0">
+                <a:rPr lang="en-US" sz="1100" dirty="0">
                   <a:latin typeface="Old English Text MT" panose="03040902040508030806" pitchFamily="66" charset="0"/>
                 </a:rPr>
                 <a:t>Standard solutions</a:t>
@@ -3426,8 +3426,8 @@
         </p:blipFill>
         <p:spPr>
           <a:xfrm>
-            <a:off x="9082350" y="1611386"/>
-            <a:ext cx="2281332" cy="2043894"/>
+            <a:off x="9266584" y="2299855"/>
+            <a:ext cx="1801544" cy="1614042"/>
           </a:xfrm>
           <a:prstGeom prst="rect">
             <a:avLst/>
